--- a/Phase 2/Step 9 - Angular Framework.pptx
+++ b/Phase 2/Step 9 - Angular Framework.pptx
@@ -2998,7 +2998,15 @@
           <a:p>
             <a:r>
               <a:rPr lang="en-US" dirty="0" smtClean="0"/>
-              <a:t>Angular framework – Step 8</a:t>
+              <a:t>Angular framework – </a:t>
+            </a:r>
+            <a:r>
+              <a:rPr lang="en-US" smtClean="0"/>
+              <a:t>Step </a:t>
+            </a:r>
+            <a:r>
+              <a:rPr lang="en-US" smtClean="0"/>
+              <a:t>9</a:t>
             </a:r>
             <a:endParaRPr lang="en-US" dirty="0"/>
           </a:p>
@@ -3562,14 +3570,12 @@
               <a:rPr lang="en-US" dirty="0" smtClean="0"/>
               <a:t>To create the angular project we need to use google provide angular cli. </a:t>
             </a:r>
-            <a:endParaRPr lang="en-US" dirty="0" smtClean="0"/>
           </a:p>
           <a:p>
             <a:r>
               <a:rPr lang="en-US" dirty="0" smtClean="0"/>
               <a:t> </a:t>
             </a:r>
-            <a:endParaRPr lang="en-US" dirty="0" smtClean="0"/>
           </a:p>
         </p:txBody>
       </p:sp>

--- a/Phase 2/Step 9 - Angular Framework.pptx
+++ b/Phase 2/Step 9 - Angular Framework.pptx
@@ -18,6 +18,11 @@
     <p:sldId id="274" r:id="rId12"/>
     <p:sldId id="276" r:id="rId13"/>
     <p:sldId id="275" r:id="rId14"/>
+    <p:sldId id="278" r:id="rId15"/>
+    <p:sldId id="279" r:id="rId16"/>
+    <p:sldId id="280" r:id="rId17"/>
+    <p:sldId id="281" r:id="rId18"/>
+    <p:sldId id="282" r:id="rId19"/>
   </p:sldIdLst>
   <p:sldSz cx="12192000" cy="6858000"/>
   <p:notesSz cx="6858000" cy="9144000"/>
@@ -255,7 +260,7 @@
           <a:p>
             <a:fld id="{42386099-759E-47AF-B5BA-C91AC6CEC5A3}" type="datetimeFigureOut">
               <a:rPr lang="en-US" smtClean="0"/>
-              <a:t>1/5/2023</a:t>
+              <a:t>2/2/2023</a:t>
             </a:fld>
             <a:endParaRPr lang="en-US"/>
           </a:p>
@@ -425,7 +430,7 @@
           <a:p>
             <a:fld id="{42386099-759E-47AF-B5BA-C91AC6CEC5A3}" type="datetimeFigureOut">
               <a:rPr lang="en-US" smtClean="0"/>
-              <a:t>1/5/2023</a:t>
+              <a:t>2/2/2023</a:t>
             </a:fld>
             <a:endParaRPr lang="en-US"/>
           </a:p>
@@ -605,7 +610,7 @@
           <a:p>
             <a:fld id="{42386099-759E-47AF-B5BA-C91AC6CEC5A3}" type="datetimeFigureOut">
               <a:rPr lang="en-US" smtClean="0"/>
-              <a:t>1/5/2023</a:t>
+              <a:t>2/2/2023</a:t>
             </a:fld>
             <a:endParaRPr lang="en-US"/>
           </a:p>
@@ -775,7 +780,7 @@
           <a:p>
             <a:fld id="{42386099-759E-47AF-B5BA-C91AC6CEC5A3}" type="datetimeFigureOut">
               <a:rPr lang="en-US" smtClean="0"/>
-              <a:t>1/5/2023</a:t>
+              <a:t>2/2/2023</a:t>
             </a:fld>
             <a:endParaRPr lang="en-US"/>
           </a:p>
@@ -1021,7 +1026,7 @@
           <a:p>
             <a:fld id="{42386099-759E-47AF-B5BA-C91AC6CEC5A3}" type="datetimeFigureOut">
               <a:rPr lang="en-US" smtClean="0"/>
-              <a:t>1/5/2023</a:t>
+              <a:t>2/2/2023</a:t>
             </a:fld>
             <a:endParaRPr lang="en-US"/>
           </a:p>
@@ -1253,7 +1258,7 @@
           <a:p>
             <a:fld id="{42386099-759E-47AF-B5BA-C91AC6CEC5A3}" type="datetimeFigureOut">
               <a:rPr lang="en-US" smtClean="0"/>
-              <a:t>1/5/2023</a:t>
+              <a:t>2/2/2023</a:t>
             </a:fld>
             <a:endParaRPr lang="en-US"/>
           </a:p>
@@ -1620,7 +1625,7 @@
           <a:p>
             <a:fld id="{42386099-759E-47AF-B5BA-C91AC6CEC5A3}" type="datetimeFigureOut">
               <a:rPr lang="en-US" smtClean="0"/>
-              <a:t>1/5/2023</a:t>
+              <a:t>2/2/2023</a:t>
             </a:fld>
             <a:endParaRPr lang="en-US"/>
           </a:p>
@@ -1738,7 +1743,7 @@
           <a:p>
             <a:fld id="{42386099-759E-47AF-B5BA-C91AC6CEC5A3}" type="datetimeFigureOut">
               <a:rPr lang="en-US" smtClean="0"/>
-              <a:t>1/5/2023</a:t>
+              <a:t>2/2/2023</a:t>
             </a:fld>
             <a:endParaRPr lang="en-US"/>
           </a:p>
@@ -1833,7 +1838,7 @@
           <a:p>
             <a:fld id="{42386099-759E-47AF-B5BA-C91AC6CEC5A3}" type="datetimeFigureOut">
               <a:rPr lang="en-US" smtClean="0"/>
-              <a:t>1/5/2023</a:t>
+              <a:t>2/2/2023</a:t>
             </a:fld>
             <a:endParaRPr lang="en-US"/>
           </a:p>
@@ -2110,7 +2115,7 @@
           <a:p>
             <a:fld id="{42386099-759E-47AF-B5BA-C91AC6CEC5A3}" type="datetimeFigureOut">
               <a:rPr lang="en-US" smtClean="0"/>
-              <a:t>1/5/2023</a:t>
+              <a:t>2/2/2023</a:t>
             </a:fld>
             <a:endParaRPr lang="en-US"/>
           </a:p>
@@ -2363,7 +2368,7 @@
           <a:p>
             <a:fld id="{42386099-759E-47AF-B5BA-C91AC6CEC5A3}" type="datetimeFigureOut">
               <a:rPr lang="en-US" smtClean="0"/>
-              <a:t>1/5/2023</a:t>
+              <a:t>2/2/2023</a:t>
             </a:fld>
             <a:endParaRPr lang="en-US"/>
           </a:p>
@@ -2576,7 +2581,7 @@
           <a:p>
             <a:fld id="{42386099-759E-47AF-B5BA-C91AC6CEC5A3}" type="datetimeFigureOut">
               <a:rPr lang="en-US" smtClean="0"/>
-              <a:t>1/5/2023</a:t>
+              <a:t>2/2/2023</a:t>
             </a:fld>
             <a:endParaRPr lang="en-US"/>
           </a:p>
@@ -3002,11 +3007,7 @@
             </a:r>
             <a:r>
               <a:rPr lang="en-US" smtClean="0"/>
-              <a:t>Step </a:t>
-            </a:r>
-            <a:r>
-              <a:rPr lang="en-US" smtClean="0"/>
-              <a:t>9</a:t>
+              <a:t>Step 9</a:t>
             </a:r>
             <a:endParaRPr lang="en-US" dirty="0"/>
           </a:p>
@@ -3468,6 +3469,551 @@
     <p:extLst>
       <p:ext uri="{BB962C8B-B14F-4D97-AF65-F5344CB8AC3E}">
         <p14:creationId xmlns:p14="http://schemas.microsoft.com/office/powerpoint/2010/main" val="1651841268"/>
+      </p:ext>
+    </p:extLst>
+  </p:cSld>
+  <p:clrMapOvr>
+    <a:masterClrMapping/>
+  </p:clrMapOvr>
+</p:sld>
+</file>
+
+<file path=ppt/slides/slide14.xml><?xml version="1.0" encoding="utf-8"?>
+<p:sld xmlns:a="http://schemas.openxmlformats.org/drawingml/2006/main" xmlns:r="http://schemas.openxmlformats.org/officeDocument/2006/relationships" xmlns:p="http://schemas.openxmlformats.org/presentationml/2006/main">
+  <p:cSld>
+    <p:spTree>
+      <p:nvGrpSpPr>
+        <p:cNvPr id="1" name=""/>
+        <p:cNvGrpSpPr/>
+        <p:nvPr/>
+      </p:nvGrpSpPr>
+      <p:grpSpPr>
+        <a:xfrm>
+          <a:off x="0" y="0"/>
+          <a:ext cx="0" cy="0"/>
+          <a:chOff x="0" y="0"/>
+          <a:chExt cx="0" cy="0"/>
+        </a:xfrm>
+      </p:grpSpPr>
+      <p:sp>
+        <p:nvSpPr>
+          <p:cNvPr id="2" name="Title 1"/>
+          <p:cNvSpPr>
+            <a:spLocks noGrp="1"/>
+          </p:cNvSpPr>
+          <p:nvPr>
+            <p:ph type="title"/>
+          </p:nvPr>
+        </p:nvSpPr>
+        <p:spPr/>
+        <p:txBody>
+          <a:bodyPr/>
+          <a:lstStyle/>
+          <a:p>
+            <a:endParaRPr lang="en-US"/>
+          </a:p>
+        </p:txBody>
+      </p:sp>
+      <p:sp>
+        <p:nvSpPr>
+          <p:cNvPr id="3" name="Content Placeholder 2"/>
+          <p:cNvSpPr>
+            <a:spLocks noGrp="1"/>
+          </p:cNvSpPr>
+          <p:nvPr>
+            <p:ph idx="1"/>
+          </p:nvPr>
+        </p:nvSpPr>
+        <p:spPr/>
+        <p:txBody>
+          <a:bodyPr/>
+          <a:lstStyle/>
+          <a:p>
+            <a:r>
+              <a:rPr lang="en-US" dirty="0" smtClean="0"/>
+              <a:t>Convert all html pages like index.html, home.html, customerHome.html and adminHome.html page to angular component using command as </a:t>
+            </a:r>
+          </a:p>
+          <a:p>
+            <a:r>
+              <a:rPr lang="en-US" dirty="0" smtClean="0"/>
+              <a:t>Ng g c index </a:t>
+            </a:r>
+          </a:p>
+          <a:p>
+            <a:r>
+              <a:rPr lang="en-US" dirty="0" smtClean="0"/>
+              <a:t>Ng g c home </a:t>
+            </a:r>
+          </a:p>
+          <a:p>
+            <a:r>
+              <a:rPr lang="en-US" dirty="0" smtClean="0"/>
+              <a:t>Ng g c </a:t>
+            </a:r>
+            <a:r>
+              <a:rPr lang="en-US" dirty="0" err="1" smtClean="0"/>
+              <a:t>adminHome</a:t>
+            </a:r>
+            <a:endParaRPr lang="en-US" dirty="0" smtClean="0"/>
+          </a:p>
+          <a:p>
+            <a:r>
+              <a:rPr lang="en-US" dirty="0" smtClean="0"/>
+              <a:t>Ng g c </a:t>
+            </a:r>
+            <a:r>
+              <a:rPr lang="en-US" dirty="0" err="1" smtClean="0"/>
+              <a:t>customerHome</a:t>
+            </a:r>
+            <a:endParaRPr lang="en-US" dirty="0"/>
+          </a:p>
+        </p:txBody>
+      </p:sp>
+    </p:spTree>
+    <p:extLst>
+      <p:ext uri="{BB962C8B-B14F-4D97-AF65-F5344CB8AC3E}">
+        <p14:creationId xmlns:p14="http://schemas.microsoft.com/office/powerpoint/2010/main" val="749561974"/>
+      </p:ext>
+    </p:extLst>
+  </p:cSld>
+  <p:clrMapOvr>
+    <a:masterClrMapping/>
+  </p:clrMapOvr>
+</p:sld>
+</file>
+
+<file path=ppt/slides/slide15.xml><?xml version="1.0" encoding="utf-8"?>
+<p:sld xmlns:a="http://schemas.openxmlformats.org/drawingml/2006/main" xmlns:r="http://schemas.openxmlformats.org/officeDocument/2006/relationships" xmlns:p="http://schemas.openxmlformats.org/presentationml/2006/main">
+  <p:cSld>
+    <p:spTree>
+      <p:nvGrpSpPr>
+        <p:cNvPr id="1" name=""/>
+        <p:cNvGrpSpPr/>
+        <p:nvPr/>
+      </p:nvGrpSpPr>
+      <p:grpSpPr>
+        <a:xfrm>
+          <a:off x="0" y="0"/>
+          <a:ext cx="0" cy="0"/>
+          <a:chOff x="0" y="0"/>
+          <a:chExt cx="0" cy="0"/>
+        </a:xfrm>
+      </p:grpSpPr>
+      <p:sp>
+        <p:nvSpPr>
+          <p:cNvPr id="2" name="Title 1"/>
+          <p:cNvSpPr>
+            <a:spLocks noGrp="1"/>
+          </p:cNvSpPr>
+          <p:nvPr>
+            <p:ph type="title"/>
+          </p:nvPr>
+        </p:nvSpPr>
+        <p:spPr/>
+        <p:txBody>
+          <a:bodyPr/>
+          <a:lstStyle/>
+          <a:p>
+            <a:endParaRPr lang="en-US"/>
+          </a:p>
+        </p:txBody>
+      </p:sp>
+      <p:sp>
+        <p:nvSpPr>
+          <p:cNvPr id="3" name="Content Placeholder 2"/>
+          <p:cNvSpPr>
+            <a:spLocks noGrp="1"/>
+          </p:cNvSpPr>
+          <p:nvPr>
+            <p:ph idx="1"/>
+          </p:nvPr>
+        </p:nvSpPr>
+        <p:spPr/>
+        <p:txBody>
+          <a:bodyPr>
+            <a:normAutofit lnSpcReduction="10000"/>
+          </a:bodyPr>
+          <a:lstStyle/>
+          <a:p>
+            <a:r>
+              <a:rPr lang="en-US" dirty="0" smtClean="0"/>
+              <a:t>We need lot of model classes and service classes. </a:t>
+            </a:r>
+          </a:p>
+          <a:p>
+            <a:r>
+              <a:rPr lang="en-US" dirty="0" smtClean="0"/>
+              <a:t>Model classes </a:t>
+            </a:r>
+          </a:p>
+          <a:p>
+            <a:r>
+              <a:rPr lang="en-US" dirty="0" smtClean="0"/>
+              <a:t>Ng g class transaction </a:t>
+            </a:r>
+          </a:p>
+          <a:p>
+            <a:r>
+              <a:rPr lang="en-US" dirty="0" smtClean="0"/>
+              <a:t>Ng g class logic </a:t>
+            </a:r>
+          </a:p>
+          <a:p>
+            <a:r>
+              <a:rPr lang="en-US" dirty="0" smtClean="0"/>
+              <a:t>Ng g class customer </a:t>
+            </a:r>
+          </a:p>
+          <a:p>
+            <a:r>
+              <a:rPr lang="en-US" dirty="0" smtClean="0"/>
+              <a:t>We need to create service class </a:t>
+            </a:r>
+          </a:p>
+          <a:p>
+            <a:r>
+              <a:rPr lang="en-US" dirty="0" smtClean="0"/>
+              <a:t>Ng g s customer </a:t>
+            </a:r>
+          </a:p>
+          <a:p>
+            <a:r>
+              <a:rPr lang="en-US" dirty="0" smtClean="0"/>
+              <a:t>Ng g s login </a:t>
+            </a:r>
+          </a:p>
+          <a:p>
+            <a:r>
+              <a:rPr lang="en-US" dirty="0" smtClean="0"/>
+              <a:t>Ng g s transaction </a:t>
+            </a:r>
+            <a:endParaRPr lang="en-US" dirty="0"/>
+          </a:p>
+        </p:txBody>
+      </p:sp>
+    </p:spTree>
+    <p:extLst>
+      <p:ext uri="{BB962C8B-B14F-4D97-AF65-F5344CB8AC3E}">
+        <p14:creationId xmlns:p14="http://schemas.microsoft.com/office/powerpoint/2010/main" val="2831430907"/>
+      </p:ext>
+    </p:extLst>
+  </p:cSld>
+  <p:clrMapOvr>
+    <a:masterClrMapping/>
+  </p:clrMapOvr>
+</p:sld>
+</file>
+
+<file path=ppt/slides/slide16.xml><?xml version="1.0" encoding="utf-8"?>
+<p:sld xmlns:a="http://schemas.openxmlformats.org/drawingml/2006/main" xmlns:r="http://schemas.openxmlformats.org/officeDocument/2006/relationships" xmlns:p="http://schemas.openxmlformats.org/presentationml/2006/main">
+  <p:cSld>
+    <p:spTree>
+      <p:nvGrpSpPr>
+        <p:cNvPr id="1" name=""/>
+        <p:cNvGrpSpPr/>
+        <p:nvPr/>
+      </p:nvGrpSpPr>
+      <p:grpSpPr>
+        <a:xfrm>
+          <a:off x="0" y="0"/>
+          <a:ext cx="0" cy="0"/>
+          <a:chOff x="0" y="0"/>
+          <a:chExt cx="0" cy="0"/>
+        </a:xfrm>
+      </p:grpSpPr>
+      <p:sp>
+        <p:nvSpPr>
+          <p:cNvPr id="2" name="Title 1"/>
+          <p:cNvSpPr>
+            <a:spLocks noGrp="1"/>
+          </p:cNvSpPr>
+          <p:nvPr>
+            <p:ph type="title"/>
+          </p:nvPr>
+        </p:nvSpPr>
+        <p:spPr/>
+        <p:txBody>
+          <a:bodyPr/>
+          <a:lstStyle/>
+          <a:p>
+            <a:r>
+              <a:rPr lang="en-US" dirty="0" smtClean="0"/>
+              <a:t>All third party plugin and resources copy and paste in assets folder. </a:t>
+            </a:r>
+            <a:endParaRPr lang="en-US" dirty="0"/>
+          </a:p>
+        </p:txBody>
+      </p:sp>
+      <p:pic>
+        <p:nvPicPr>
+          <p:cNvPr id="4" name="Content Placeholder 3"/>
+          <p:cNvPicPr>
+            <a:picLocks noGrp="1" noChangeAspect="1"/>
+          </p:cNvPicPr>
+          <p:nvPr>
+            <p:ph idx="1"/>
+          </p:nvPr>
+        </p:nvPicPr>
+        <p:blipFill>
+          <a:blip r:embed="rId2"/>
+          <a:stretch>
+            <a:fillRect/>
+          </a:stretch>
+        </p:blipFill>
+        <p:spPr>
+          <a:xfrm>
+            <a:off x="838200" y="1690688"/>
+            <a:ext cx="7597798" cy="1661304"/>
+          </a:xfrm>
+          <a:prstGeom prst="rect">
+            <a:avLst/>
+          </a:prstGeom>
+        </p:spPr>
+      </p:pic>
+      <p:pic>
+        <p:nvPicPr>
+          <p:cNvPr id="5" name="Picture 4"/>
+          <p:cNvPicPr>
+            <a:picLocks noChangeAspect="1"/>
+          </p:cNvPicPr>
+          <p:nvPr/>
+        </p:nvPicPr>
+        <p:blipFill>
+          <a:blip r:embed="rId3"/>
+          <a:stretch>
+            <a:fillRect/>
+          </a:stretch>
+        </p:blipFill>
+        <p:spPr>
+          <a:xfrm>
+            <a:off x="4017817" y="3461068"/>
+            <a:ext cx="7132969" cy="2884739"/>
+          </a:xfrm>
+          <a:prstGeom prst="rect">
+            <a:avLst/>
+          </a:prstGeom>
+        </p:spPr>
+      </p:pic>
+    </p:spTree>
+    <p:extLst>
+      <p:ext uri="{BB962C8B-B14F-4D97-AF65-F5344CB8AC3E}">
+        <p14:creationId xmlns:p14="http://schemas.microsoft.com/office/powerpoint/2010/main" val="2532194608"/>
+      </p:ext>
+    </p:extLst>
+  </p:cSld>
+  <p:clrMapOvr>
+    <a:masterClrMapping/>
+  </p:clrMapOvr>
+</p:sld>
+</file>
+
+<file path=ppt/slides/slide17.xml><?xml version="1.0" encoding="utf-8"?>
+<p:sld xmlns:a="http://schemas.openxmlformats.org/drawingml/2006/main" xmlns:r="http://schemas.openxmlformats.org/officeDocument/2006/relationships" xmlns:p="http://schemas.openxmlformats.org/presentationml/2006/main">
+  <p:cSld>
+    <p:spTree>
+      <p:nvGrpSpPr>
+        <p:cNvPr id="1" name=""/>
+        <p:cNvGrpSpPr/>
+        <p:nvPr/>
+      </p:nvGrpSpPr>
+      <p:grpSpPr>
+        <a:xfrm>
+          <a:off x="0" y="0"/>
+          <a:ext cx="0" cy="0"/>
+          <a:chOff x="0" y="0"/>
+          <a:chExt cx="0" cy="0"/>
+        </a:xfrm>
+      </p:grpSpPr>
+      <p:sp>
+        <p:nvSpPr>
+          <p:cNvPr id="2" name="Title 1"/>
+          <p:cNvSpPr>
+            <a:spLocks noGrp="1"/>
+          </p:cNvSpPr>
+          <p:nvPr>
+            <p:ph type="title"/>
+          </p:nvPr>
+        </p:nvSpPr>
+        <p:spPr/>
+        <p:txBody>
+          <a:bodyPr/>
+          <a:lstStyle/>
+          <a:p>
+            <a:r>
+              <a:rPr lang="en-US" dirty="0" smtClean="0"/>
+              <a:t>Routing file </a:t>
+            </a:r>
+            <a:endParaRPr lang="en-US" dirty="0"/>
+          </a:p>
+        </p:txBody>
+      </p:sp>
+      <p:pic>
+        <p:nvPicPr>
+          <p:cNvPr id="4" name="Content Placeholder 3"/>
+          <p:cNvPicPr>
+            <a:picLocks noGrp="1" noChangeAspect="1"/>
+          </p:cNvPicPr>
+          <p:nvPr>
+            <p:ph idx="1"/>
+          </p:nvPr>
+        </p:nvPicPr>
+        <p:blipFill>
+          <a:blip r:embed="rId2"/>
+          <a:stretch>
+            <a:fillRect/>
+          </a:stretch>
+        </p:blipFill>
+        <p:spPr>
+          <a:xfrm>
+            <a:off x="2625869" y="1825625"/>
+            <a:ext cx="6940262" cy="4351338"/>
+          </a:xfrm>
+          <a:prstGeom prst="rect">
+            <a:avLst/>
+          </a:prstGeom>
+        </p:spPr>
+      </p:pic>
+    </p:spTree>
+    <p:extLst>
+      <p:ext uri="{BB962C8B-B14F-4D97-AF65-F5344CB8AC3E}">
+        <p14:creationId xmlns:p14="http://schemas.microsoft.com/office/powerpoint/2010/main" val="2793566060"/>
+      </p:ext>
+    </p:extLst>
+  </p:cSld>
+  <p:clrMapOvr>
+    <a:masterClrMapping/>
+  </p:clrMapOvr>
+</p:sld>
+</file>
+
+<file path=ppt/slides/slide18.xml><?xml version="1.0" encoding="utf-8"?>
+<p:sld xmlns:a="http://schemas.openxmlformats.org/drawingml/2006/main" xmlns:r="http://schemas.openxmlformats.org/officeDocument/2006/relationships" xmlns:p="http://schemas.openxmlformats.org/presentationml/2006/main">
+  <p:cSld>
+    <p:spTree>
+      <p:nvGrpSpPr>
+        <p:cNvPr id="1" name=""/>
+        <p:cNvGrpSpPr/>
+        <p:nvPr/>
+      </p:nvGrpSpPr>
+      <p:grpSpPr>
+        <a:xfrm>
+          <a:off x="0" y="0"/>
+          <a:ext cx="0" cy="0"/>
+          <a:chOff x="0" y="0"/>
+          <a:chExt cx="0" cy="0"/>
+        </a:xfrm>
+      </p:grpSpPr>
+      <p:sp>
+        <p:nvSpPr>
+          <p:cNvPr id="2" name="Title 1"/>
+          <p:cNvSpPr>
+            <a:spLocks noGrp="1"/>
+          </p:cNvSpPr>
+          <p:nvPr>
+            <p:ph type="title"/>
+          </p:nvPr>
+        </p:nvSpPr>
+        <p:spPr/>
+        <p:txBody>
+          <a:bodyPr/>
+          <a:lstStyle/>
+          <a:p>
+            <a:r>
+              <a:rPr lang="en-US" dirty="0" smtClean="0"/>
+              <a:t>Angular </a:t>
+            </a:r>
+            <a:endParaRPr lang="en-US" dirty="0"/>
+          </a:p>
+        </p:txBody>
+      </p:sp>
+      <p:sp>
+        <p:nvSpPr>
+          <p:cNvPr id="3" name="Content Placeholder 2"/>
+          <p:cNvSpPr>
+            <a:spLocks noGrp="1"/>
+          </p:cNvSpPr>
+          <p:nvPr>
+            <p:ph idx="1"/>
+          </p:nvPr>
+        </p:nvSpPr>
+        <p:spPr/>
+        <p:txBody>
+          <a:bodyPr/>
+          <a:lstStyle/>
+          <a:p>
+            <a:r>
+              <a:rPr lang="en-US" dirty="0" smtClean="0"/>
+              <a:t>Component </a:t>
+            </a:r>
+          </a:p>
+          <a:p>
+            <a:r>
+              <a:rPr lang="en-US" dirty="0" smtClean="0"/>
+              <a:t>Model </a:t>
+            </a:r>
+          </a:p>
+          <a:p>
+            <a:r>
+              <a:rPr lang="en-US" dirty="0" smtClean="0"/>
+              <a:t>Service </a:t>
+            </a:r>
+          </a:p>
+          <a:p>
+            <a:r>
+              <a:rPr lang="en-US" dirty="0" smtClean="0"/>
+              <a:t>Template driven form and model </a:t>
+            </a:r>
+            <a:r>
+              <a:rPr lang="en-US" dirty="0" err="1" smtClean="0"/>
+              <a:t>drivern</a:t>
+            </a:r>
+            <a:r>
+              <a:rPr lang="en-US" dirty="0" smtClean="0"/>
+              <a:t> </a:t>
+            </a:r>
+          </a:p>
+          <a:p>
+            <a:r>
+              <a:rPr lang="en-US" dirty="0" smtClean="0"/>
+              <a:t>Validation don </a:t>
+            </a:r>
+          </a:p>
+          <a:p>
+            <a:r>
+              <a:rPr lang="en-US" dirty="0" err="1" smtClean="0"/>
+              <a:t>HttpClient</a:t>
+            </a:r>
+            <a:r>
+              <a:rPr lang="en-US" dirty="0" smtClean="0"/>
+              <a:t> module to call rest </a:t>
+            </a:r>
+            <a:r>
+              <a:rPr lang="en-US" dirty="0" err="1" smtClean="0"/>
+              <a:t>api</a:t>
+            </a:r>
+            <a:r>
+              <a:rPr lang="en-US" dirty="0" smtClean="0"/>
+              <a:t> running to </a:t>
+            </a:r>
+            <a:r>
+              <a:rPr lang="en-US" dirty="0" err="1" smtClean="0"/>
+              <a:t>json</a:t>
+            </a:r>
+            <a:r>
+              <a:rPr lang="en-US" smtClean="0"/>
+              <a:t>-server </a:t>
+            </a:r>
+          </a:p>
+          <a:p>
+            <a:endParaRPr lang="en-US"/>
+          </a:p>
+        </p:txBody>
+      </p:sp>
+    </p:spTree>
+    <p:extLst>
+      <p:ext uri="{BB962C8B-B14F-4D97-AF65-F5344CB8AC3E}">
+        <p14:creationId xmlns:p14="http://schemas.microsoft.com/office/powerpoint/2010/main" val="1317870247"/>
       </p:ext>
     </p:extLst>
   </p:cSld>
